--- a/ppt 16-9/1022.有福的确据.pptx
+++ b/ppt 16-9/1022.有福的确据.pptx
@@ -129,7 +129,7 @@
           <p:cNvPr id="2" name="标题 1">
             <a:extLst>
               <a:ext uri="{FF2B5EF4-FFF2-40B4-BE49-F238E27FC236}">
-                <a16:creationId xmlns:a16="http://schemas.microsoft.com/office/drawing/2014/main" id="{AB87ECD6-A322-2B83-0BCA-1B26E82C3D60}"/>
+                <a16:creationId xmlns:a16="http://schemas.microsoft.com/office/drawing/2014/main" id="{7CA1413A-E30E-948E-4380-E416C10EEF77}"/>
               </a:ext>
             </a:extLst>
           </p:cNvPr>
@@ -166,7 +166,7 @@
           <p:cNvPr id="3" name="副标题 2">
             <a:extLst>
               <a:ext uri="{FF2B5EF4-FFF2-40B4-BE49-F238E27FC236}">
-                <a16:creationId xmlns:a16="http://schemas.microsoft.com/office/drawing/2014/main" id="{65BB8494-D098-160E-69E2-DE0A1D949660}"/>
+                <a16:creationId xmlns:a16="http://schemas.microsoft.com/office/drawing/2014/main" id="{C84B78AA-1FDC-F815-DEEA-8033DD1392D9}"/>
               </a:ext>
             </a:extLst>
           </p:cNvPr>
@@ -236,7 +236,7 @@
           <p:cNvPr id="4" name="日期占位符 3">
             <a:extLst>
               <a:ext uri="{FF2B5EF4-FFF2-40B4-BE49-F238E27FC236}">
-                <a16:creationId xmlns:a16="http://schemas.microsoft.com/office/drawing/2014/main" id="{90A11AE3-68A9-70AE-56E3-54E2E4B5BAC0}"/>
+                <a16:creationId xmlns:a16="http://schemas.microsoft.com/office/drawing/2014/main" id="{0B9A5CE8-D80C-9A3C-BC98-41072D0EB479}"/>
               </a:ext>
             </a:extLst>
           </p:cNvPr>
@@ -252,7 +252,7 @@
           <a:bodyPr/>
           <a:lstStyle/>
           <a:p>
-            <a:fld id="{92FAF114-0D61-4069-9132-085EBEAD65FB}" type="datetimeFigureOut">
+            <a:fld id="{20834936-D652-42F0-8182-2BFF6A05D624}" type="datetimeFigureOut">
               <a:rPr lang="zh-CN" altLang="en-US" smtClean="0"/>
               <a:t>2024/3/10</a:t>
             </a:fld>
@@ -265,7 +265,7 @@
           <p:cNvPr id="5" name="页脚占位符 4">
             <a:extLst>
               <a:ext uri="{FF2B5EF4-FFF2-40B4-BE49-F238E27FC236}">
-                <a16:creationId xmlns:a16="http://schemas.microsoft.com/office/drawing/2014/main" id="{BC4607A2-A1EF-5E01-73B1-CC7E7C0FB187}"/>
+                <a16:creationId xmlns:a16="http://schemas.microsoft.com/office/drawing/2014/main" id="{21AD83C7-3508-4E44-CC9C-71A975930293}"/>
               </a:ext>
             </a:extLst>
           </p:cNvPr>
@@ -290,7 +290,7 @@
           <p:cNvPr id="6" name="灯片编号占位符 5">
             <a:extLst>
               <a:ext uri="{FF2B5EF4-FFF2-40B4-BE49-F238E27FC236}">
-                <a16:creationId xmlns:a16="http://schemas.microsoft.com/office/drawing/2014/main" id="{53994584-729A-0E82-81D6-7425126521D1}"/>
+                <a16:creationId xmlns:a16="http://schemas.microsoft.com/office/drawing/2014/main" id="{A7E15EA5-37FE-A058-2B6E-D9DC417058F0}"/>
               </a:ext>
             </a:extLst>
           </p:cNvPr>
@@ -306,7 +306,7 @@
           <a:bodyPr/>
           <a:lstStyle/>
           <a:p>
-            <a:fld id="{C1796DEA-ABBC-4C39-90BD-2E9B08093B47}" type="slidenum">
+            <a:fld id="{C25243DA-B9CA-44DA-9D16-A281C3A153A9}" type="slidenum">
               <a:rPr lang="zh-CN" altLang="en-US" smtClean="0"/>
               <a:t>‹#›</a:t>
             </a:fld>
@@ -317,7 +317,7 @@
     </p:spTree>
     <p:extLst>
       <p:ext uri="{BB962C8B-B14F-4D97-AF65-F5344CB8AC3E}">
-        <p14:creationId xmlns:p14="http://schemas.microsoft.com/office/powerpoint/2010/main" val="3261110641"/>
+        <p14:creationId xmlns:p14="http://schemas.microsoft.com/office/powerpoint/2010/main" val="937337086"/>
       </p:ext>
     </p:extLst>
   </p:cSld>
@@ -349,7 +349,7 @@
           <p:cNvPr id="2" name="标题 1">
             <a:extLst>
               <a:ext uri="{FF2B5EF4-FFF2-40B4-BE49-F238E27FC236}">
-                <a16:creationId xmlns:a16="http://schemas.microsoft.com/office/drawing/2014/main" id="{063CB519-DAAC-6FBB-94A8-CEE20E02E5BA}"/>
+                <a16:creationId xmlns:a16="http://schemas.microsoft.com/office/drawing/2014/main" id="{6234FCC0-E5E5-6718-E1FF-43E2D039F277}"/>
               </a:ext>
             </a:extLst>
           </p:cNvPr>
@@ -377,7 +377,7 @@
           <p:cNvPr id="3" name="竖排文字占位符 2">
             <a:extLst>
               <a:ext uri="{FF2B5EF4-FFF2-40B4-BE49-F238E27FC236}">
-                <a16:creationId xmlns:a16="http://schemas.microsoft.com/office/drawing/2014/main" id="{4A904547-938C-6C47-B9C7-5511F52A3549}"/>
+                <a16:creationId xmlns:a16="http://schemas.microsoft.com/office/drawing/2014/main" id="{EE7B3701-3CDE-103B-7A10-651F4A3D9437}"/>
               </a:ext>
             </a:extLst>
           </p:cNvPr>
@@ -434,7 +434,7 @@
           <p:cNvPr id="4" name="日期占位符 3">
             <a:extLst>
               <a:ext uri="{FF2B5EF4-FFF2-40B4-BE49-F238E27FC236}">
-                <a16:creationId xmlns:a16="http://schemas.microsoft.com/office/drawing/2014/main" id="{3547D4A7-3240-5A3A-931F-6243C826FA6D}"/>
+                <a16:creationId xmlns:a16="http://schemas.microsoft.com/office/drawing/2014/main" id="{DB089D5C-1C2E-C9B3-9D57-99C3923F4D37}"/>
               </a:ext>
             </a:extLst>
           </p:cNvPr>
@@ -450,7 +450,7 @@
           <a:bodyPr/>
           <a:lstStyle/>
           <a:p>
-            <a:fld id="{92FAF114-0D61-4069-9132-085EBEAD65FB}" type="datetimeFigureOut">
+            <a:fld id="{20834936-D652-42F0-8182-2BFF6A05D624}" type="datetimeFigureOut">
               <a:rPr lang="zh-CN" altLang="en-US" smtClean="0"/>
               <a:t>2024/3/10</a:t>
             </a:fld>
@@ -463,7 +463,7 @@
           <p:cNvPr id="5" name="页脚占位符 4">
             <a:extLst>
               <a:ext uri="{FF2B5EF4-FFF2-40B4-BE49-F238E27FC236}">
-                <a16:creationId xmlns:a16="http://schemas.microsoft.com/office/drawing/2014/main" id="{868E95FA-C6A7-4ED9-EA02-F34D9CFA1108}"/>
+                <a16:creationId xmlns:a16="http://schemas.microsoft.com/office/drawing/2014/main" id="{B4839309-8E42-66B0-2791-69A93D8AE3B3}"/>
               </a:ext>
             </a:extLst>
           </p:cNvPr>
@@ -488,7 +488,7 @@
           <p:cNvPr id="6" name="灯片编号占位符 5">
             <a:extLst>
               <a:ext uri="{FF2B5EF4-FFF2-40B4-BE49-F238E27FC236}">
-                <a16:creationId xmlns:a16="http://schemas.microsoft.com/office/drawing/2014/main" id="{5F94E29B-9100-C949-BD56-219F41209063}"/>
+                <a16:creationId xmlns:a16="http://schemas.microsoft.com/office/drawing/2014/main" id="{924C7BE8-E6A3-7943-14F7-E73E091259CF}"/>
               </a:ext>
             </a:extLst>
           </p:cNvPr>
@@ -504,7 +504,7 @@
           <a:bodyPr/>
           <a:lstStyle/>
           <a:p>
-            <a:fld id="{C1796DEA-ABBC-4C39-90BD-2E9B08093B47}" type="slidenum">
+            <a:fld id="{C25243DA-B9CA-44DA-9D16-A281C3A153A9}" type="slidenum">
               <a:rPr lang="zh-CN" altLang="en-US" smtClean="0"/>
               <a:t>‹#›</a:t>
             </a:fld>
@@ -515,7 +515,7 @@
     </p:spTree>
     <p:extLst>
       <p:ext uri="{BB962C8B-B14F-4D97-AF65-F5344CB8AC3E}">
-        <p14:creationId xmlns:p14="http://schemas.microsoft.com/office/powerpoint/2010/main" val="3516614059"/>
+        <p14:creationId xmlns:p14="http://schemas.microsoft.com/office/powerpoint/2010/main" val="3521219926"/>
       </p:ext>
     </p:extLst>
   </p:cSld>
@@ -547,7 +547,7 @@
           <p:cNvPr id="2" name="竖排标题 1">
             <a:extLst>
               <a:ext uri="{FF2B5EF4-FFF2-40B4-BE49-F238E27FC236}">
-                <a16:creationId xmlns:a16="http://schemas.microsoft.com/office/drawing/2014/main" id="{59A79198-A869-2CF0-54D9-E704920F260A}"/>
+                <a16:creationId xmlns:a16="http://schemas.microsoft.com/office/drawing/2014/main" id="{5AB24037-02DE-C2E6-94B7-BF7FF91797B4}"/>
               </a:ext>
             </a:extLst>
           </p:cNvPr>
@@ -580,7 +580,7 @@
           <p:cNvPr id="3" name="竖排文字占位符 2">
             <a:extLst>
               <a:ext uri="{FF2B5EF4-FFF2-40B4-BE49-F238E27FC236}">
-                <a16:creationId xmlns:a16="http://schemas.microsoft.com/office/drawing/2014/main" id="{39B155F6-5242-EDFD-B37A-3A21FC5E74B6}"/>
+                <a16:creationId xmlns:a16="http://schemas.microsoft.com/office/drawing/2014/main" id="{B5F3FB52-EBDF-5D13-43DA-AA0AF2CCF996}"/>
               </a:ext>
             </a:extLst>
           </p:cNvPr>
@@ -642,7 +642,7 @@
           <p:cNvPr id="4" name="日期占位符 3">
             <a:extLst>
               <a:ext uri="{FF2B5EF4-FFF2-40B4-BE49-F238E27FC236}">
-                <a16:creationId xmlns:a16="http://schemas.microsoft.com/office/drawing/2014/main" id="{E18F3077-5CED-ACCB-190F-3C5AEB2A7586}"/>
+                <a16:creationId xmlns:a16="http://schemas.microsoft.com/office/drawing/2014/main" id="{9962F6C9-B447-FB8D-E6E4-ED82B0B44BD0}"/>
               </a:ext>
             </a:extLst>
           </p:cNvPr>
@@ -658,7 +658,7 @@
           <a:bodyPr/>
           <a:lstStyle/>
           <a:p>
-            <a:fld id="{92FAF114-0D61-4069-9132-085EBEAD65FB}" type="datetimeFigureOut">
+            <a:fld id="{20834936-D652-42F0-8182-2BFF6A05D624}" type="datetimeFigureOut">
               <a:rPr lang="zh-CN" altLang="en-US" smtClean="0"/>
               <a:t>2024/3/10</a:t>
             </a:fld>
@@ -671,7 +671,7 @@
           <p:cNvPr id="5" name="页脚占位符 4">
             <a:extLst>
               <a:ext uri="{FF2B5EF4-FFF2-40B4-BE49-F238E27FC236}">
-                <a16:creationId xmlns:a16="http://schemas.microsoft.com/office/drawing/2014/main" id="{53C0EF8C-8E95-AB4A-400A-622662AB93DB}"/>
+                <a16:creationId xmlns:a16="http://schemas.microsoft.com/office/drawing/2014/main" id="{D9086606-3DB1-5723-238F-F7C3D1738EE2}"/>
               </a:ext>
             </a:extLst>
           </p:cNvPr>
@@ -696,7 +696,7 @@
           <p:cNvPr id="6" name="灯片编号占位符 5">
             <a:extLst>
               <a:ext uri="{FF2B5EF4-FFF2-40B4-BE49-F238E27FC236}">
-                <a16:creationId xmlns:a16="http://schemas.microsoft.com/office/drawing/2014/main" id="{0E6D55C2-B47F-B8CB-32C7-F6E02BEEE2D8}"/>
+                <a16:creationId xmlns:a16="http://schemas.microsoft.com/office/drawing/2014/main" id="{57D164F7-78A5-BBC0-E895-94E26417FD12}"/>
               </a:ext>
             </a:extLst>
           </p:cNvPr>
@@ -712,7 +712,7 @@
           <a:bodyPr/>
           <a:lstStyle/>
           <a:p>
-            <a:fld id="{C1796DEA-ABBC-4C39-90BD-2E9B08093B47}" type="slidenum">
+            <a:fld id="{C25243DA-B9CA-44DA-9D16-A281C3A153A9}" type="slidenum">
               <a:rPr lang="zh-CN" altLang="en-US" smtClean="0"/>
               <a:t>‹#›</a:t>
             </a:fld>
@@ -723,7 +723,7 @@
     </p:spTree>
     <p:extLst>
       <p:ext uri="{BB962C8B-B14F-4D97-AF65-F5344CB8AC3E}">
-        <p14:creationId xmlns:p14="http://schemas.microsoft.com/office/powerpoint/2010/main" val="3981234110"/>
+        <p14:creationId xmlns:p14="http://schemas.microsoft.com/office/powerpoint/2010/main" val="1055779579"/>
       </p:ext>
     </p:extLst>
   </p:cSld>
@@ -755,7 +755,7 @@
           <p:cNvPr id="2" name="标题 1">
             <a:extLst>
               <a:ext uri="{FF2B5EF4-FFF2-40B4-BE49-F238E27FC236}">
-                <a16:creationId xmlns:a16="http://schemas.microsoft.com/office/drawing/2014/main" id="{D59845F6-C3AC-F07B-FC41-D6313F83B770}"/>
+                <a16:creationId xmlns:a16="http://schemas.microsoft.com/office/drawing/2014/main" id="{43CF4611-D4C7-3B7A-BAB7-48CC5778A9CE}"/>
               </a:ext>
             </a:extLst>
           </p:cNvPr>
@@ -783,7 +783,7 @@
           <p:cNvPr id="3" name="内容占位符 2">
             <a:extLst>
               <a:ext uri="{FF2B5EF4-FFF2-40B4-BE49-F238E27FC236}">
-                <a16:creationId xmlns:a16="http://schemas.microsoft.com/office/drawing/2014/main" id="{2D3DA7DF-F2BB-CEA8-2552-AD047F27E046}"/>
+                <a16:creationId xmlns:a16="http://schemas.microsoft.com/office/drawing/2014/main" id="{1B1B9F4C-80EC-708A-B116-3C39EFAF4D3D}"/>
               </a:ext>
             </a:extLst>
           </p:cNvPr>
@@ -840,7 +840,7 @@
           <p:cNvPr id="4" name="日期占位符 3">
             <a:extLst>
               <a:ext uri="{FF2B5EF4-FFF2-40B4-BE49-F238E27FC236}">
-                <a16:creationId xmlns:a16="http://schemas.microsoft.com/office/drawing/2014/main" id="{85ED0D03-A53E-2722-40BE-8D4859D7FCB8}"/>
+                <a16:creationId xmlns:a16="http://schemas.microsoft.com/office/drawing/2014/main" id="{9AED792F-54B3-ABF8-7C90-B1E3B3C191C8}"/>
               </a:ext>
             </a:extLst>
           </p:cNvPr>
@@ -856,7 +856,7 @@
           <a:bodyPr/>
           <a:lstStyle/>
           <a:p>
-            <a:fld id="{92FAF114-0D61-4069-9132-085EBEAD65FB}" type="datetimeFigureOut">
+            <a:fld id="{20834936-D652-42F0-8182-2BFF6A05D624}" type="datetimeFigureOut">
               <a:rPr lang="zh-CN" altLang="en-US" smtClean="0"/>
               <a:t>2024/3/10</a:t>
             </a:fld>
@@ -869,7 +869,7 @@
           <p:cNvPr id="5" name="页脚占位符 4">
             <a:extLst>
               <a:ext uri="{FF2B5EF4-FFF2-40B4-BE49-F238E27FC236}">
-                <a16:creationId xmlns:a16="http://schemas.microsoft.com/office/drawing/2014/main" id="{32871480-2FCC-6801-98EA-6C6719A1A39E}"/>
+                <a16:creationId xmlns:a16="http://schemas.microsoft.com/office/drawing/2014/main" id="{FF26CC30-A3FF-7B52-3A51-F976CF658757}"/>
               </a:ext>
             </a:extLst>
           </p:cNvPr>
@@ -894,7 +894,7 @@
           <p:cNvPr id="6" name="灯片编号占位符 5">
             <a:extLst>
               <a:ext uri="{FF2B5EF4-FFF2-40B4-BE49-F238E27FC236}">
-                <a16:creationId xmlns:a16="http://schemas.microsoft.com/office/drawing/2014/main" id="{456B8403-38B1-3E9E-6C10-DD15B858EFD5}"/>
+                <a16:creationId xmlns:a16="http://schemas.microsoft.com/office/drawing/2014/main" id="{C77BAC10-EF17-E923-4312-BD87C1142943}"/>
               </a:ext>
             </a:extLst>
           </p:cNvPr>
@@ -910,7 +910,7 @@
           <a:bodyPr/>
           <a:lstStyle/>
           <a:p>
-            <a:fld id="{C1796DEA-ABBC-4C39-90BD-2E9B08093B47}" type="slidenum">
+            <a:fld id="{C25243DA-B9CA-44DA-9D16-A281C3A153A9}" type="slidenum">
               <a:rPr lang="zh-CN" altLang="en-US" smtClean="0"/>
               <a:t>‹#›</a:t>
             </a:fld>
@@ -921,7 +921,7 @@
     </p:spTree>
     <p:extLst>
       <p:ext uri="{BB962C8B-B14F-4D97-AF65-F5344CB8AC3E}">
-        <p14:creationId xmlns:p14="http://schemas.microsoft.com/office/powerpoint/2010/main" val="3194591521"/>
+        <p14:creationId xmlns:p14="http://schemas.microsoft.com/office/powerpoint/2010/main" val="1431051579"/>
       </p:ext>
     </p:extLst>
   </p:cSld>
@@ -953,7 +953,7 @@
           <p:cNvPr id="2" name="标题 1">
             <a:extLst>
               <a:ext uri="{FF2B5EF4-FFF2-40B4-BE49-F238E27FC236}">
-                <a16:creationId xmlns:a16="http://schemas.microsoft.com/office/drawing/2014/main" id="{C7ACADA7-CAA9-5C7E-222D-526B570DD82E}"/>
+                <a16:creationId xmlns:a16="http://schemas.microsoft.com/office/drawing/2014/main" id="{85931E38-9C4F-A429-DFB8-B4A0BC8DE497}"/>
               </a:ext>
             </a:extLst>
           </p:cNvPr>
@@ -990,7 +990,7 @@
           <p:cNvPr id="3" name="文本占位符 2">
             <a:extLst>
               <a:ext uri="{FF2B5EF4-FFF2-40B4-BE49-F238E27FC236}">
-                <a16:creationId xmlns:a16="http://schemas.microsoft.com/office/drawing/2014/main" id="{B4792641-40B1-7366-4C9B-E758D192289C}"/>
+                <a16:creationId xmlns:a16="http://schemas.microsoft.com/office/drawing/2014/main" id="{F6BFC3A5-F5A0-4742-652B-13F29D6F4BFE}"/>
               </a:ext>
             </a:extLst>
           </p:cNvPr>
@@ -1115,7 +1115,7 @@
           <p:cNvPr id="4" name="日期占位符 3">
             <a:extLst>
               <a:ext uri="{FF2B5EF4-FFF2-40B4-BE49-F238E27FC236}">
-                <a16:creationId xmlns:a16="http://schemas.microsoft.com/office/drawing/2014/main" id="{E90CB441-FD55-8955-6902-C9F70D7F097E}"/>
+                <a16:creationId xmlns:a16="http://schemas.microsoft.com/office/drawing/2014/main" id="{9B886875-C72F-9A89-94EA-38953C232AA5}"/>
               </a:ext>
             </a:extLst>
           </p:cNvPr>
@@ -1131,7 +1131,7 @@
           <a:bodyPr/>
           <a:lstStyle/>
           <a:p>
-            <a:fld id="{92FAF114-0D61-4069-9132-085EBEAD65FB}" type="datetimeFigureOut">
+            <a:fld id="{20834936-D652-42F0-8182-2BFF6A05D624}" type="datetimeFigureOut">
               <a:rPr lang="zh-CN" altLang="en-US" smtClean="0"/>
               <a:t>2024/3/10</a:t>
             </a:fld>
@@ -1144,7 +1144,7 @@
           <p:cNvPr id="5" name="页脚占位符 4">
             <a:extLst>
               <a:ext uri="{FF2B5EF4-FFF2-40B4-BE49-F238E27FC236}">
-                <a16:creationId xmlns:a16="http://schemas.microsoft.com/office/drawing/2014/main" id="{C2BD987B-2F74-EA42-A97A-559643CBAD95}"/>
+                <a16:creationId xmlns:a16="http://schemas.microsoft.com/office/drawing/2014/main" id="{73876FBD-D261-4A13-7F0E-EF84347D32D8}"/>
               </a:ext>
             </a:extLst>
           </p:cNvPr>
@@ -1169,7 +1169,7 @@
           <p:cNvPr id="6" name="灯片编号占位符 5">
             <a:extLst>
               <a:ext uri="{FF2B5EF4-FFF2-40B4-BE49-F238E27FC236}">
-                <a16:creationId xmlns:a16="http://schemas.microsoft.com/office/drawing/2014/main" id="{DA4C299A-77CE-8825-1F82-A549D972B734}"/>
+                <a16:creationId xmlns:a16="http://schemas.microsoft.com/office/drawing/2014/main" id="{7000287C-3D43-B205-BB15-1C30F3BBABBB}"/>
               </a:ext>
             </a:extLst>
           </p:cNvPr>
@@ -1185,7 +1185,7 @@
           <a:bodyPr/>
           <a:lstStyle/>
           <a:p>
-            <a:fld id="{C1796DEA-ABBC-4C39-90BD-2E9B08093B47}" type="slidenum">
+            <a:fld id="{C25243DA-B9CA-44DA-9D16-A281C3A153A9}" type="slidenum">
               <a:rPr lang="zh-CN" altLang="en-US" smtClean="0"/>
               <a:t>‹#›</a:t>
             </a:fld>
@@ -1196,7 +1196,7 @@
     </p:spTree>
     <p:extLst>
       <p:ext uri="{BB962C8B-B14F-4D97-AF65-F5344CB8AC3E}">
-        <p14:creationId xmlns:p14="http://schemas.microsoft.com/office/powerpoint/2010/main" val="1155727386"/>
+        <p14:creationId xmlns:p14="http://schemas.microsoft.com/office/powerpoint/2010/main" val="3064117866"/>
       </p:ext>
     </p:extLst>
   </p:cSld>
@@ -1228,7 +1228,7 @@
           <p:cNvPr id="2" name="标题 1">
             <a:extLst>
               <a:ext uri="{FF2B5EF4-FFF2-40B4-BE49-F238E27FC236}">
-                <a16:creationId xmlns:a16="http://schemas.microsoft.com/office/drawing/2014/main" id="{516EDFC9-0B43-7A21-6BB0-1F18A5B2CB48}"/>
+                <a16:creationId xmlns:a16="http://schemas.microsoft.com/office/drawing/2014/main" id="{7BFC59D8-F328-53C9-F637-E554361C0645}"/>
               </a:ext>
             </a:extLst>
           </p:cNvPr>
@@ -1256,7 +1256,7 @@
           <p:cNvPr id="3" name="内容占位符 2">
             <a:extLst>
               <a:ext uri="{FF2B5EF4-FFF2-40B4-BE49-F238E27FC236}">
-                <a16:creationId xmlns:a16="http://schemas.microsoft.com/office/drawing/2014/main" id="{37DC5917-DF6D-7476-35B6-49CAB80B3562}"/>
+                <a16:creationId xmlns:a16="http://schemas.microsoft.com/office/drawing/2014/main" id="{15274CAC-051D-D2A2-782D-681822238ACA}"/>
               </a:ext>
             </a:extLst>
           </p:cNvPr>
@@ -1318,7 +1318,7 @@
           <p:cNvPr id="4" name="内容占位符 3">
             <a:extLst>
               <a:ext uri="{FF2B5EF4-FFF2-40B4-BE49-F238E27FC236}">
-                <a16:creationId xmlns:a16="http://schemas.microsoft.com/office/drawing/2014/main" id="{0FA0F24B-CBED-AF26-4892-931D1966BC2E}"/>
+                <a16:creationId xmlns:a16="http://schemas.microsoft.com/office/drawing/2014/main" id="{D2329234-4781-DC83-BF1A-20F405596949}"/>
               </a:ext>
             </a:extLst>
           </p:cNvPr>
@@ -1380,7 +1380,7 @@
           <p:cNvPr id="5" name="日期占位符 4">
             <a:extLst>
               <a:ext uri="{FF2B5EF4-FFF2-40B4-BE49-F238E27FC236}">
-                <a16:creationId xmlns:a16="http://schemas.microsoft.com/office/drawing/2014/main" id="{2AB1EB6C-D2AB-0690-953D-F8BDE414F337}"/>
+                <a16:creationId xmlns:a16="http://schemas.microsoft.com/office/drawing/2014/main" id="{D439B887-91EB-0157-A877-6FD44B00C191}"/>
               </a:ext>
             </a:extLst>
           </p:cNvPr>
@@ -1396,7 +1396,7 @@
           <a:bodyPr/>
           <a:lstStyle/>
           <a:p>
-            <a:fld id="{92FAF114-0D61-4069-9132-085EBEAD65FB}" type="datetimeFigureOut">
+            <a:fld id="{20834936-D652-42F0-8182-2BFF6A05D624}" type="datetimeFigureOut">
               <a:rPr lang="zh-CN" altLang="en-US" smtClean="0"/>
               <a:t>2024/3/10</a:t>
             </a:fld>
@@ -1409,7 +1409,7 @@
           <p:cNvPr id="6" name="页脚占位符 5">
             <a:extLst>
               <a:ext uri="{FF2B5EF4-FFF2-40B4-BE49-F238E27FC236}">
-                <a16:creationId xmlns:a16="http://schemas.microsoft.com/office/drawing/2014/main" id="{20C9C7D1-E4F8-11F1-97C3-62B681D4737D}"/>
+                <a16:creationId xmlns:a16="http://schemas.microsoft.com/office/drawing/2014/main" id="{356B5C1E-20CA-4139-033C-8139C58C080C}"/>
               </a:ext>
             </a:extLst>
           </p:cNvPr>
@@ -1434,7 +1434,7 @@
           <p:cNvPr id="7" name="灯片编号占位符 6">
             <a:extLst>
               <a:ext uri="{FF2B5EF4-FFF2-40B4-BE49-F238E27FC236}">
-                <a16:creationId xmlns:a16="http://schemas.microsoft.com/office/drawing/2014/main" id="{B61EDB39-509E-E030-4EA3-CB4FBF80521A}"/>
+                <a16:creationId xmlns:a16="http://schemas.microsoft.com/office/drawing/2014/main" id="{40AD473E-FA41-4EAD-7247-0AB961994DA0}"/>
               </a:ext>
             </a:extLst>
           </p:cNvPr>
@@ -1450,7 +1450,7 @@
           <a:bodyPr/>
           <a:lstStyle/>
           <a:p>
-            <a:fld id="{C1796DEA-ABBC-4C39-90BD-2E9B08093B47}" type="slidenum">
+            <a:fld id="{C25243DA-B9CA-44DA-9D16-A281C3A153A9}" type="slidenum">
               <a:rPr lang="zh-CN" altLang="en-US" smtClean="0"/>
               <a:t>‹#›</a:t>
             </a:fld>
@@ -1461,7 +1461,7 @@
     </p:spTree>
     <p:extLst>
       <p:ext uri="{BB962C8B-B14F-4D97-AF65-F5344CB8AC3E}">
-        <p14:creationId xmlns:p14="http://schemas.microsoft.com/office/powerpoint/2010/main" val="4158823509"/>
+        <p14:creationId xmlns:p14="http://schemas.microsoft.com/office/powerpoint/2010/main" val="2269901458"/>
       </p:ext>
     </p:extLst>
   </p:cSld>
@@ -1493,7 +1493,7 @@
           <p:cNvPr id="2" name="标题 1">
             <a:extLst>
               <a:ext uri="{FF2B5EF4-FFF2-40B4-BE49-F238E27FC236}">
-                <a16:creationId xmlns:a16="http://schemas.microsoft.com/office/drawing/2014/main" id="{9E8BD4B0-68EE-F6F3-A34A-E28E6397FB70}"/>
+                <a16:creationId xmlns:a16="http://schemas.microsoft.com/office/drawing/2014/main" id="{5E31284D-C0DD-2DC4-6498-1C6A05392E54}"/>
               </a:ext>
             </a:extLst>
           </p:cNvPr>
@@ -1526,7 +1526,7 @@
           <p:cNvPr id="3" name="文本占位符 2">
             <a:extLst>
               <a:ext uri="{FF2B5EF4-FFF2-40B4-BE49-F238E27FC236}">
-                <a16:creationId xmlns:a16="http://schemas.microsoft.com/office/drawing/2014/main" id="{00FFA61A-9800-2929-0F50-C7FBEF295FE1}"/>
+                <a16:creationId xmlns:a16="http://schemas.microsoft.com/office/drawing/2014/main" id="{5F9B366C-5DC0-09C3-D3AB-E167DEEEE7F3}"/>
               </a:ext>
             </a:extLst>
           </p:cNvPr>
@@ -1597,7 +1597,7 @@
           <p:cNvPr id="4" name="内容占位符 3">
             <a:extLst>
               <a:ext uri="{FF2B5EF4-FFF2-40B4-BE49-F238E27FC236}">
-                <a16:creationId xmlns:a16="http://schemas.microsoft.com/office/drawing/2014/main" id="{D973F258-F28F-408E-E5EF-39C75F7BE95C}"/>
+                <a16:creationId xmlns:a16="http://schemas.microsoft.com/office/drawing/2014/main" id="{3FB08775-031E-0309-E63F-3785B022CEB6}"/>
               </a:ext>
             </a:extLst>
           </p:cNvPr>
@@ -1659,7 +1659,7 @@
           <p:cNvPr id="5" name="文本占位符 4">
             <a:extLst>
               <a:ext uri="{FF2B5EF4-FFF2-40B4-BE49-F238E27FC236}">
-                <a16:creationId xmlns:a16="http://schemas.microsoft.com/office/drawing/2014/main" id="{BB66AFC7-47C8-6C4D-A98D-34A93A45AA43}"/>
+                <a16:creationId xmlns:a16="http://schemas.microsoft.com/office/drawing/2014/main" id="{A370CBEE-067A-7FFB-3FEE-4EFD42088045}"/>
               </a:ext>
             </a:extLst>
           </p:cNvPr>
@@ -1730,7 +1730,7 @@
           <p:cNvPr id="6" name="内容占位符 5">
             <a:extLst>
               <a:ext uri="{FF2B5EF4-FFF2-40B4-BE49-F238E27FC236}">
-                <a16:creationId xmlns:a16="http://schemas.microsoft.com/office/drawing/2014/main" id="{BBAA8D48-E23E-7C9D-26FE-06D2A7DFC6FC}"/>
+                <a16:creationId xmlns:a16="http://schemas.microsoft.com/office/drawing/2014/main" id="{1BFF087E-84F2-CE66-6E9F-B2553D037253}"/>
               </a:ext>
             </a:extLst>
           </p:cNvPr>
@@ -1792,7 +1792,7 @@
           <p:cNvPr id="7" name="日期占位符 6">
             <a:extLst>
               <a:ext uri="{FF2B5EF4-FFF2-40B4-BE49-F238E27FC236}">
-                <a16:creationId xmlns:a16="http://schemas.microsoft.com/office/drawing/2014/main" id="{F2D3EDBF-2A6F-D6F4-E730-572BA673EF83}"/>
+                <a16:creationId xmlns:a16="http://schemas.microsoft.com/office/drawing/2014/main" id="{820448FE-B667-0899-BDC6-10FEAFBC3D56}"/>
               </a:ext>
             </a:extLst>
           </p:cNvPr>
@@ -1808,7 +1808,7 @@
           <a:bodyPr/>
           <a:lstStyle/>
           <a:p>
-            <a:fld id="{92FAF114-0D61-4069-9132-085EBEAD65FB}" type="datetimeFigureOut">
+            <a:fld id="{20834936-D652-42F0-8182-2BFF6A05D624}" type="datetimeFigureOut">
               <a:rPr lang="zh-CN" altLang="en-US" smtClean="0"/>
               <a:t>2024/3/10</a:t>
             </a:fld>
@@ -1821,7 +1821,7 @@
           <p:cNvPr id="8" name="页脚占位符 7">
             <a:extLst>
               <a:ext uri="{FF2B5EF4-FFF2-40B4-BE49-F238E27FC236}">
-                <a16:creationId xmlns:a16="http://schemas.microsoft.com/office/drawing/2014/main" id="{7030DD8B-D472-FB4A-7498-E6E72CEA6B91}"/>
+                <a16:creationId xmlns:a16="http://schemas.microsoft.com/office/drawing/2014/main" id="{C4F444C0-48D1-4D42-540B-F1208FB4F5FE}"/>
               </a:ext>
             </a:extLst>
           </p:cNvPr>
@@ -1846,7 +1846,7 @@
           <p:cNvPr id="9" name="灯片编号占位符 8">
             <a:extLst>
               <a:ext uri="{FF2B5EF4-FFF2-40B4-BE49-F238E27FC236}">
-                <a16:creationId xmlns:a16="http://schemas.microsoft.com/office/drawing/2014/main" id="{4253B29D-2703-EE48-B029-181A32D2481F}"/>
+                <a16:creationId xmlns:a16="http://schemas.microsoft.com/office/drawing/2014/main" id="{E9E13474-0812-37F3-8A00-E5D28D1FC751}"/>
               </a:ext>
             </a:extLst>
           </p:cNvPr>
@@ -1862,7 +1862,7 @@
           <a:bodyPr/>
           <a:lstStyle/>
           <a:p>
-            <a:fld id="{C1796DEA-ABBC-4C39-90BD-2E9B08093B47}" type="slidenum">
+            <a:fld id="{C25243DA-B9CA-44DA-9D16-A281C3A153A9}" type="slidenum">
               <a:rPr lang="zh-CN" altLang="en-US" smtClean="0"/>
               <a:t>‹#›</a:t>
             </a:fld>
@@ -1873,7 +1873,7 @@
     </p:spTree>
     <p:extLst>
       <p:ext uri="{BB962C8B-B14F-4D97-AF65-F5344CB8AC3E}">
-        <p14:creationId xmlns:p14="http://schemas.microsoft.com/office/powerpoint/2010/main" val="3865966855"/>
+        <p14:creationId xmlns:p14="http://schemas.microsoft.com/office/powerpoint/2010/main" val="1413123887"/>
       </p:ext>
     </p:extLst>
   </p:cSld>
@@ -1905,7 +1905,7 @@
           <p:cNvPr id="2" name="标题 1">
             <a:extLst>
               <a:ext uri="{FF2B5EF4-FFF2-40B4-BE49-F238E27FC236}">
-                <a16:creationId xmlns:a16="http://schemas.microsoft.com/office/drawing/2014/main" id="{0E9F4F46-E3FD-C3E5-D458-75BEAB15A845}"/>
+                <a16:creationId xmlns:a16="http://schemas.microsoft.com/office/drawing/2014/main" id="{2B2107AC-72AD-28C7-1DDF-113D11EBE7D9}"/>
               </a:ext>
             </a:extLst>
           </p:cNvPr>
@@ -1933,7 +1933,7 @@
           <p:cNvPr id="3" name="日期占位符 2">
             <a:extLst>
               <a:ext uri="{FF2B5EF4-FFF2-40B4-BE49-F238E27FC236}">
-                <a16:creationId xmlns:a16="http://schemas.microsoft.com/office/drawing/2014/main" id="{F93899E4-9132-293A-FE3B-C9F57455FBE8}"/>
+                <a16:creationId xmlns:a16="http://schemas.microsoft.com/office/drawing/2014/main" id="{B9F220C6-B4CF-5A94-473D-55148C79B6F5}"/>
               </a:ext>
             </a:extLst>
           </p:cNvPr>
@@ -1949,7 +1949,7 @@
           <a:bodyPr/>
           <a:lstStyle/>
           <a:p>
-            <a:fld id="{92FAF114-0D61-4069-9132-085EBEAD65FB}" type="datetimeFigureOut">
+            <a:fld id="{20834936-D652-42F0-8182-2BFF6A05D624}" type="datetimeFigureOut">
               <a:rPr lang="zh-CN" altLang="en-US" smtClean="0"/>
               <a:t>2024/3/10</a:t>
             </a:fld>
@@ -1962,7 +1962,7 @@
           <p:cNvPr id="4" name="页脚占位符 3">
             <a:extLst>
               <a:ext uri="{FF2B5EF4-FFF2-40B4-BE49-F238E27FC236}">
-                <a16:creationId xmlns:a16="http://schemas.microsoft.com/office/drawing/2014/main" id="{072C1C51-1590-5CAF-C984-455C1E74DB1E}"/>
+                <a16:creationId xmlns:a16="http://schemas.microsoft.com/office/drawing/2014/main" id="{A2874D4D-761E-3F75-402F-813360E0B534}"/>
               </a:ext>
             </a:extLst>
           </p:cNvPr>
@@ -1987,7 +1987,7 @@
           <p:cNvPr id="5" name="灯片编号占位符 4">
             <a:extLst>
               <a:ext uri="{FF2B5EF4-FFF2-40B4-BE49-F238E27FC236}">
-                <a16:creationId xmlns:a16="http://schemas.microsoft.com/office/drawing/2014/main" id="{56E319E9-3BEB-621D-B3BF-E97778480043}"/>
+                <a16:creationId xmlns:a16="http://schemas.microsoft.com/office/drawing/2014/main" id="{31E386F0-95AB-712B-1D12-2528B72A6C4A}"/>
               </a:ext>
             </a:extLst>
           </p:cNvPr>
@@ -2003,7 +2003,7 @@
           <a:bodyPr/>
           <a:lstStyle/>
           <a:p>
-            <a:fld id="{C1796DEA-ABBC-4C39-90BD-2E9B08093B47}" type="slidenum">
+            <a:fld id="{C25243DA-B9CA-44DA-9D16-A281C3A153A9}" type="slidenum">
               <a:rPr lang="zh-CN" altLang="en-US" smtClean="0"/>
               <a:t>‹#›</a:t>
             </a:fld>
@@ -2014,7 +2014,7 @@
     </p:spTree>
     <p:extLst>
       <p:ext uri="{BB962C8B-B14F-4D97-AF65-F5344CB8AC3E}">
-        <p14:creationId xmlns:p14="http://schemas.microsoft.com/office/powerpoint/2010/main" val="681152832"/>
+        <p14:creationId xmlns:p14="http://schemas.microsoft.com/office/powerpoint/2010/main" val="87586909"/>
       </p:ext>
     </p:extLst>
   </p:cSld>
@@ -2046,7 +2046,7 @@
           <p:cNvPr id="2" name="日期占位符 1">
             <a:extLst>
               <a:ext uri="{FF2B5EF4-FFF2-40B4-BE49-F238E27FC236}">
-                <a16:creationId xmlns:a16="http://schemas.microsoft.com/office/drawing/2014/main" id="{448D4BE1-A495-0D6A-F387-75FB9050CF2C}"/>
+                <a16:creationId xmlns:a16="http://schemas.microsoft.com/office/drawing/2014/main" id="{ACFA20D2-8E0D-ED7A-0E24-00779F431719}"/>
               </a:ext>
             </a:extLst>
           </p:cNvPr>
@@ -2062,7 +2062,7 @@
           <a:bodyPr/>
           <a:lstStyle/>
           <a:p>
-            <a:fld id="{92FAF114-0D61-4069-9132-085EBEAD65FB}" type="datetimeFigureOut">
+            <a:fld id="{20834936-D652-42F0-8182-2BFF6A05D624}" type="datetimeFigureOut">
               <a:rPr lang="zh-CN" altLang="en-US" smtClean="0"/>
               <a:t>2024/3/10</a:t>
             </a:fld>
@@ -2075,7 +2075,7 @@
           <p:cNvPr id="3" name="页脚占位符 2">
             <a:extLst>
               <a:ext uri="{FF2B5EF4-FFF2-40B4-BE49-F238E27FC236}">
-                <a16:creationId xmlns:a16="http://schemas.microsoft.com/office/drawing/2014/main" id="{60C255E7-329F-2952-BF46-6EA760C7DFBC}"/>
+                <a16:creationId xmlns:a16="http://schemas.microsoft.com/office/drawing/2014/main" id="{95D21E00-D990-1CD5-10C3-D04F0F449A39}"/>
               </a:ext>
             </a:extLst>
           </p:cNvPr>
@@ -2100,7 +2100,7 @@
           <p:cNvPr id="4" name="灯片编号占位符 3">
             <a:extLst>
               <a:ext uri="{FF2B5EF4-FFF2-40B4-BE49-F238E27FC236}">
-                <a16:creationId xmlns:a16="http://schemas.microsoft.com/office/drawing/2014/main" id="{3258DC2E-10B3-1CC6-5490-F37C141F46A4}"/>
+                <a16:creationId xmlns:a16="http://schemas.microsoft.com/office/drawing/2014/main" id="{C518D619-F47D-EC95-74F0-CD5F54A0C6B3}"/>
               </a:ext>
             </a:extLst>
           </p:cNvPr>
@@ -2116,7 +2116,7 @@
           <a:bodyPr/>
           <a:lstStyle/>
           <a:p>
-            <a:fld id="{C1796DEA-ABBC-4C39-90BD-2E9B08093B47}" type="slidenum">
+            <a:fld id="{C25243DA-B9CA-44DA-9D16-A281C3A153A9}" type="slidenum">
               <a:rPr lang="zh-CN" altLang="en-US" smtClean="0"/>
               <a:t>‹#›</a:t>
             </a:fld>
@@ -2127,7 +2127,7 @@
     </p:spTree>
     <p:extLst>
       <p:ext uri="{BB962C8B-B14F-4D97-AF65-F5344CB8AC3E}">
-        <p14:creationId xmlns:p14="http://schemas.microsoft.com/office/powerpoint/2010/main" val="83501142"/>
+        <p14:creationId xmlns:p14="http://schemas.microsoft.com/office/powerpoint/2010/main" val="2781436460"/>
       </p:ext>
     </p:extLst>
   </p:cSld>
@@ -2159,7 +2159,7 @@
           <p:cNvPr id="2" name="标题 1">
             <a:extLst>
               <a:ext uri="{FF2B5EF4-FFF2-40B4-BE49-F238E27FC236}">
-                <a16:creationId xmlns:a16="http://schemas.microsoft.com/office/drawing/2014/main" id="{3CD87D21-0DE0-E4F1-EF2A-AF1611505B21}"/>
+                <a16:creationId xmlns:a16="http://schemas.microsoft.com/office/drawing/2014/main" id="{A1544515-6859-0D11-4B3C-22E2C7D17B64}"/>
               </a:ext>
             </a:extLst>
           </p:cNvPr>
@@ -2196,7 +2196,7 @@
           <p:cNvPr id="3" name="内容占位符 2">
             <a:extLst>
               <a:ext uri="{FF2B5EF4-FFF2-40B4-BE49-F238E27FC236}">
-                <a16:creationId xmlns:a16="http://schemas.microsoft.com/office/drawing/2014/main" id="{D9F7147C-A622-125C-E3CD-4A941804CC02}"/>
+                <a16:creationId xmlns:a16="http://schemas.microsoft.com/office/drawing/2014/main" id="{F852036B-B984-A85D-661D-2ABB6EF0A7DA}"/>
               </a:ext>
             </a:extLst>
           </p:cNvPr>
@@ -2286,7 +2286,7 @@
           <p:cNvPr id="4" name="文本占位符 3">
             <a:extLst>
               <a:ext uri="{FF2B5EF4-FFF2-40B4-BE49-F238E27FC236}">
-                <a16:creationId xmlns:a16="http://schemas.microsoft.com/office/drawing/2014/main" id="{BBD29EC1-9AF4-91F9-1099-BAD114422470}"/>
+                <a16:creationId xmlns:a16="http://schemas.microsoft.com/office/drawing/2014/main" id="{E85A1CBA-656C-33F8-FBCF-F773D587059F}"/>
               </a:ext>
             </a:extLst>
           </p:cNvPr>
@@ -2357,7 +2357,7 @@
           <p:cNvPr id="5" name="日期占位符 4">
             <a:extLst>
               <a:ext uri="{FF2B5EF4-FFF2-40B4-BE49-F238E27FC236}">
-                <a16:creationId xmlns:a16="http://schemas.microsoft.com/office/drawing/2014/main" id="{AE709519-5FE3-0E48-5C0B-E14C7A7D0FA3}"/>
+                <a16:creationId xmlns:a16="http://schemas.microsoft.com/office/drawing/2014/main" id="{F45B8C82-E7B8-2A7E-744C-BDAA7A9C0B90}"/>
               </a:ext>
             </a:extLst>
           </p:cNvPr>
@@ -2373,7 +2373,7 @@
           <a:bodyPr/>
           <a:lstStyle/>
           <a:p>
-            <a:fld id="{92FAF114-0D61-4069-9132-085EBEAD65FB}" type="datetimeFigureOut">
+            <a:fld id="{20834936-D652-42F0-8182-2BFF6A05D624}" type="datetimeFigureOut">
               <a:rPr lang="zh-CN" altLang="en-US" smtClean="0"/>
               <a:t>2024/3/10</a:t>
             </a:fld>
@@ -2386,7 +2386,7 @@
           <p:cNvPr id="6" name="页脚占位符 5">
             <a:extLst>
               <a:ext uri="{FF2B5EF4-FFF2-40B4-BE49-F238E27FC236}">
-                <a16:creationId xmlns:a16="http://schemas.microsoft.com/office/drawing/2014/main" id="{E2D105E3-25E8-A909-06E9-B06BA9255162}"/>
+                <a16:creationId xmlns:a16="http://schemas.microsoft.com/office/drawing/2014/main" id="{7B271C21-4B21-FDD0-9226-91C6ADE523FD}"/>
               </a:ext>
             </a:extLst>
           </p:cNvPr>
@@ -2411,7 +2411,7 @@
           <p:cNvPr id="7" name="灯片编号占位符 6">
             <a:extLst>
               <a:ext uri="{FF2B5EF4-FFF2-40B4-BE49-F238E27FC236}">
-                <a16:creationId xmlns:a16="http://schemas.microsoft.com/office/drawing/2014/main" id="{E7E73FEE-843F-452B-43C6-802D8C978E10}"/>
+                <a16:creationId xmlns:a16="http://schemas.microsoft.com/office/drawing/2014/main" id="{D98D5EA3-9C70-D35D-0DB1-9565A2D693A0}"/>
               </a:ext>
             </a:extLst>
           </p:cNvPr>
@@ -2427,7 +2427,7 @@
           <a:bodyPr/>
           <a:lstStyle/>
           <a:p>
-            <a:fld id="{C1796DEA-ABBC-4C39-90BD-2E9B08093B47}" type="slidenum">
+            <a:fld id="{C25243DA-B9CA-44DA-9D16-A281C3A153A9}" type="slidenum">
               <a:rPr lang="zh-CN" altLang="en-US" smtClean="0"/>
               <a:t>‹#›</a:t>
             </a:fld>
@@ -2438,7 +2438,7 @@
     </p:spTree>
     <p:extLst>
       <p:ext uri="{BB962C8B-B14F-4D97-AF65-F5344CB8AC3E}">
-        <p14:creationId xmlns:p14="http://schemas.microsoft.com/office/powerpoint/2010/main" val="3445436226"/>
+        <p14:creationId xmlns:p14="http://schemas.microsoft.com/office/powerpoint/2010/main" val="3718163766"/>
       </p:ext>
     </p:extLst>
   </p:cSld>
@@ -2470,7 +2470,7 @@
           <p:cNvPr id="2" name="标题 1">
             <a:extLst>
               <a:ext uri="{FF2B5EF4-FFF2-40B4-BE49-F238E27FC236}">
-                <a16:creationId xmlns:a16="http://schemas.microsoft.com/office/drawing/2014/main" id="{E8280DCC-CBDE-C096-3F7A-49E91557A706}"/>
+                <a16:creationId xmlns:a16="http://schemas.microsoft.com/office/drawing/2014/main" id="{C6147E24-BA57-CDFB-1FDE-E72CC5E9363C}"/>
               </a:ext>
             </a:extLst>
           </p:cNvPr>
@@ -2507,7 +2507,7 @@
           <p:cNvPr id="3" name="图片占位符 2">
             <a:extLst>
               <a:ext uri="{FF2B5EF4-FFF2-40B4-BE49-F238E27FC236}">
-                <a16:creationId xmlns:a16="http://schemas.microsoft.com/office/drawing/2014/main" id="{669CAEDB-5BC8-232D-C8E3-5F01B363FE3C}"/>
+                <a16:creationId xmlns:a16="http://schemas.microsoft.com/office/drawing/2014/main" id="{6068725D-5546-D91F-C3F5-1FFE2A43C794}"/>
               </a:ext>
             </a:extLst>
           </p:cNvPr>
@@ -2574,7 +2574,7 @@
           <p:cNvPr id="4" name="文本占位符 3">
             <a:extLst>
               <a:ext uri="{FF2B5EF4-FFF2-40B4-BE49-F238E27FC236}">
-                <a16:creationId xmlns:a16="http://schemas.microsoft.com/office/drawing/2014/main" id="{3C87545A-AB89-8AC0-EF33-C2E67FA19D96}"/>
+                <a16:creationId xmlns:a16="http://schemas.microsoft.com/office/drawing/2014/main" id="{9CBACEA4-5B2D-0778-0513-E14254D1F7B9}"/>
               </a:ext>
             </a:extLst>
           </p:cNvPr>
@@ -2645,7 +2645,7 @@
           <p:cNvPr id="5" name="日期占位符 4">
             <a:extLst>
               <a:ext uri="{FF2B5EF4-FFF2-40B4-BE49-F238E27FC236}">
-                <a16:creationId xmlns:a16="http://schemas.microsoft.com/office/drawing/2014/main" id="{5C37386B-60E4-A1C4-B357-FD01B605F420}"/>
+                <a16:creationId xmlns:a16="http://schemas.microsoft.com/office/drawing/2014/main" id="{4E1A1BE9-6937-7812-4540-F4528A5E205B}"/>
               </a:ext>
             </a:extLst>
           </p:cNvPr>
@@ -2661,7 +2661,7 @@
           <a:bodyPr/>
           <a:lstStyle/>
           <a:p>
-            <a:fld id="{92FAF114-0D61-4069-9132-085EBEAD65FB}" type="datetimeFigureOut">
+            <a:fld id="{20834936-D652-42F0-8182-2BFF6A05D624}" type="datetimeFigureOut">
               <a:rPr lang="zh-CN" altLang="en-US" smtClean="0"/>
               <a:t>2024/3/10</a:t>
             </a:fld>
@@ -2674,7 +2674,7 @@
           <p:cNvPr id="6" name="页脚占位符 5">
             <a:extLst>
               <a:ext uri="{FF2B5EF4-FFF2-40B4-BE49-F238E27FC236}">
-                <a16:creationId xmlns:a16="http://schemas.microsoft.com/office/drawing/2014/main" id="{F039F2F9-E996-D358-BC34-7CEF55FC60F5}"/>
+                <a16:creationId xmlns:a16="http://schemas.microsoft.com/office/drawing/2014/main" id="{06D8132D-9B0D-C56F-36F9-9C0DEBB36A93}"/>
               </a:ext>
             </a:extLst>
           </p:cNvPr>
@@ -2699,7 +2699,7 @@
           <p:cNvPr id="7" name="灯片编号占位符 6">
             <a:extLst>
               <a:ext uri="{FF2B5EF4-FFF2-40B4-BE49-F238E27FC236}">
-                <a16:creationId xmlns:a16="http://schemas.microsoft.com/office/drawing/2014/main" id="{099EEC0D-2701-9E49-2203-D89AC2ED0F3C}"/>
+                <a16:creationId xmlns:a16="http://schemas.microsoft.com/office/drawing/2014/main" id="{4A9A5FDE-E402-8F17-0092-5A311812A631}"/>
               </a:ext>
             </a:extLst>
           </p:cNvPr>
@@ -2715,7 +2715,7 @@
           <a:bodyPr/>
           <a:lstStyle/>
           <a:p>
-            <a:fld id="{C1796DEA-ABBC-4C39-90BD-2E9B08093B47}" type="slidenum">
+            <a:fld id="{C25243DA-B9CA-44DA-9D16-A281C3A153A9}" type="slidenum">
               <a:rPr lang="zh-CN" altLang="en-US" smtClean="0"/>
               <a:t>‹#›</a:t>
             </a:fld>
@@ -2726,7 +2726,7 @@
     </p:spTree>
     <p:extLst>
       <p:ext uri="{BB962C8B-B14F-4D97-AF65-F5344CB8AC3E}">
-        <p14:creationId xmlns:p14="http://schemas.microsoft.com/office/powerpoint/2010/main" val="1294819772"/>
+        <p14:creationId xmlns:p14="http://schemas.microsoft.com/office/powerpoint/2010/main" val="2032332454"/>
       </p:ext>
     </p:extLst>
   </p:cSld>
@@ -2763,7 +2763,7 @@
           <p:cNvPr id="2" name="标题占位符 1">
             <a:extLst>
               <a:ext uri="{FF2B5EF4-FFF2-40B4-BE49-F238E27FC236}">
-                <a16:creationId xmlns:a16="http://schemas.microsoft.com/office/drawing/2014/main" id="{C4C11510-8398-ED78-687A-4881CECAA23E}"/>
+                <a16:creationId xmlns:a16="http://schemas.microsoft.com/office/drawing/2014/main" id="{D889FD42-DA12-D985-FF3B-43EEEE42FBBF}"/>
               </a:ext>
             </a:extLst>
           </p:cNvPr>
@@ -2801,7 +2801,7 @@
           <p:cNvPr id="3" name="文本占位符 2">
             <a:extLst>
               <a:ext uri="{FF2B5EF4-FFF2-40B4-BE49-F238E27FC236}">
-                <a16:creationId xmlns:a16="http://schemas.microsoft.com/office/drawing/2014/main" id="{44FE488B-049A-A52F-4A95-629CCB70953A}"/>
+                <a16:creationId xmlns:a16="http://schemas.microsoft.com/office/drawing/2014/main" id="{385823AA-5D70-A003-4BA6-615D880CDCAB}"/>
               </a:ext>
             </a:extLst>
           </p:cNvPr>
@@ -2868,7 +2868,7 @@
           <p:cNvPr id="4" name="日期占位符 3">
             <a:extLst>
               <a:ext uri="{FF2B5EF4-FFF2-40B4-BE49-F238E27FC236}">
-                <a16:creationId xmlns:a16="http://schemas.microsoft.com/office/drawing/2014/main" id="{B9BDED60-DB18-DE3A-DFB4-7531DE953045}"/>
+                <a16:creationId xmlns:a16="http://schemas.microsoft.com/office/drawing/2014/main" id="{2EEAAF20-69FF-1F51-6791-AA267781595B}"/>
               </a:ext>
             </a:extLst>
           </p:cNvPr>
@@ -2902,7 +2902,7 @@
             </a:lvl1pPr>
           </a:lstStyle>
           <a:p>
-            <a:fld id="{92FAF114-0D61-4069-9132-085EBEAD65FB}" type="datetimeFigureOut">
+            <a:fld id="{20834936-D652-42F0-8182-2BFF6A05D624}" type="datetimeFigureOut">
               <a:rPr lang="zh-CN" altLang="en-US" smtClean="0"/>
               <a:t>2024/3/10</a:t>
             </a:fld>
@@ -2915,7 +2915,7 @@
           <p:cNvPr id="5" name="页脚占位符 4">
             <a:extLst>
               <a:ext uri="{FF2B5EF4-FFF2-40B4-BE49-F238E27FC236}">
-                <a16:creationId xmlns:a16="http://schemas.microsoft.com/office/drawing/2014/main" id="{7FDF68A2-D3A4-1A14-D233-DFA2C737FFC7}"/>
+                <a16:creationId xmlns:a16="http://schemas.microsoft.com/office/drawing/2014/main" id="{3900ADFD-BECC-77CE-01DE-7ADAC01CF52E}"/>
               </a:ext>
             </a:extLst>
           </p:cNvPr>
@@ -2958,7 +2958,7 @@
           <p:cNvPr id="6" name="灯片编号占位符 5">
             <a:extLst>
               <a:ext uri="{FF2B5EF4-FFF2-40B4-BE49-F238E27FC236}">
-                <a16:creationId xmlns:a16="http://schemas.microsoft.com/office/drawing/2014/main" id="{9B58429A-980E-7D7F-40AA-6FFC92756A2A}"/>
+                <a16:creationId xmlns:a16="http://schemas.microsoft.com/office/drawing/2014/main" id="{AA055DC5-01E1-0BE6-587C-4FF2C039BE4A}"/>
               </a:ext>
             </a:extLst>
           </p:cNvPr>
@@ -2992,7 +2992,7 @@
             </a:lvl1pPr>
           </a:lstStyle>
           <a:p>
-            <a:fld id="{C1796DEA-ABBC-4C39-90BD-2E9B08093B47}" type="slidenum">
+            <a:fld id="{C25243DA-B9CA-44DA-9D16-A281C3A153A9}" type="slidenum">
               <a:rPr lang="zh-CN" altLang="en-US" smtClean="0"/>
               <a:t>‹#›</a:t>
             </a:fld>
@@ -3003,7 +3003,7 @@
     </p:spTree>
     <p:extLst>
       <p:ext uri="{BB962C8B-B14F-4D97-AF65-F5344CB8AC3E}">
-        <p14:creationId xmlns:p14="http://schemas.microsoft.com/office/powerpoint/2010/main" val="2474180427"/>
+        <p14:creationId xmlns:p14="http://schemas.microsoft.com/office/powerpoint/2010/main" val="3843333645"/>
       </p:ext>
     </p:extLst>
   </p:cSld>
